--- a/Week 1 -- Likelihoods and linear models/Lecture 1/Lecture 1 -- Linear models.pptx
+++ b/Week 1 -- Likelihoods and linear models/Lecture 1/Lecture 1 -- Linear models.pptx
@@ -3481,12 +3481,12 @@
           <a:lstStyle/>
           <a:p>
             <a:r>
-              <a:rPr lang="en-US" dirty="0" smtClean="0"/>
-              <a:t>March 29</a:t>
+              <a:rPr lang="en-US" smtClean="0"/>
+              <a:t>March </a:t>
             </a:r>
             <a:r>
               <a:rPr lang="en-US" smtClean="0"/>
-              <a:t>, 2016</a:t>
+              <a:t>27, 2018</a:t>
             </a:r>
             <a:endParaRPr lang="en-US" dirty="0"/>
           </a:p>
@@ -6591,8 +6591,8 @@
           </a:p>
         </p:txBody>
       </p:sp>
-      <mc:AlternateContent xmlns:mc="http://schemas.openxmlformats.org/markup-compatibility/2006">
-        <mc:Choice xmlns:a14="http://schemas.microsoft.com/office/drawing/2010/main" Requires="a14">
+      <mc:AlternateContent xmlns:mc="http://schemas.openxmlformats.org/markup-compatibility/2006" xmlns:a14="http://schemas.microsoft.com/office/drawing/2010/main">
+        <mc:Choice Requires="a14">
           <p:sp>
             <p:nvSpPr>
               <p:cNvPr id="3" name="Content Placeholder 2"/>
@@ -7992,11 +7992,7 @@
                 <a:pPr lvl="1"/>
                 <a:r>
                   <a:rPr lang="en-US" dirty="0" smtClean="0"/>
-                  <a:t>Then </a:t>
-                </a:r>
-                <a:r>
-                  <a:rPr lang="en-US" dirty="0" smtClean="0"/>
-                  <a:t>as you collect more data</a:t>
+                  <a:t>Then as you collect more data</a:t>
                 </a:r>
               </a:p>
               <a:p>
@@ -8098,7 +8094,7 @@
             </p:txBody>
           </p:sp>
         </mc:Choice>
-        <mc:Fallback>
+        <mc:Fallback xmlns="">
           <p:sp>
             <p:nvSpPr>
               <p:cNvPr id="3" name="Content Placeholder 2"/>
@@ -11278,7 +11274,7 @@
           <a:graphicData uri="http://schemas.openxmlformats.org/presentationml/2006/ole">
             <mc:AlternateContent xmlns:mc="http://schemas.openxmlformats.org/markup-compatibility/2006">
               <mc:Choice xmlns:v="urn:schemas-microsoft-com:vml" Requires="v">
-                <p:oleObj spid="_x0000_s3143" name="Equation" r:id="rId4" imgW="914400" imgH="291960" progId="Equation.DSMT4">
+                <p:oleObj spid="_x0000_s3144" name="Equation" r:id="rId4" imgW="914400" imgH="291960" progId="Equation.DSMT4">
                   <p:embed/>
                 </p:oleObj>
               </mc:Choice>
@@ -12751,8 +12747,8 @@
           </a:p>
         </p:txBody>
       </p:sp>
-      <mc:AlternateContent xmlns:mc="http://schemas.openxmlformats.org/markup-compatibility/2006">
-        <mc:Choice xmlns:a14="http://schemas.microsoft.com/office/drawing/2010/main" Requires="a14">
+      <mc:AlternateContent xmlns:mc="http://schemas.openxmlformats.org/markup-compatibility/2006" xmlns:a14="http://schemas.microsoft.com/office/drawing/2010/main">
+        <mc:Choice Requires="a14">
           <p:sp>
             <p:nvSpPr>
               <p:cNvPr id="3" name="Content Placeholder 2"/>
@@ -13164,7 +13160,7 @@
             </p:txBody>
           </p:sp>
         </mc:Choice>
-        <mc:Fallback>
+        <mc:Fallback xmlns="">
           <p:sp>
             <p:nvSpPr>
               <p:cNvPr id="3" name="Content Placeholder 2"/>
@@ -13254,8 +13250,8 @@
           </a:p>
         </p:txBody>
       </p:sp>
-      <mc:AlternateContent xmlns:mc="http://schemas.openxmlformats.org/markup-compatibility/2006">
-        <mc:Choice xmlns:a14="http://schemas.microsoft.com/office/drawing/2010/main" Requires="a14">
+      <mc:AlternateContent xmlns:mc="http://schemas.openxmlformats.org/markup-compatibility/2006" xmlns:a14="http://schemas.microsoft.com/office/drawing/2010/main">
+        <mc:Choice Requires="a14">
           <p:sp>
             <p:nvSpPr>
               <p:cNvPr id="3" name="Content Placeholder 2"/>
@@ -13424,7 +13420,7 @@
             </p:txBody>
           </p:sp>
         </mc:Choice>
-        <mc:Fallback>
+        <mc:Fallback xmlns="">
           <p:sp>
             <p:nvSpPr>
               <p:cNvPr id="3" name="Content Placeholder 2"/>
